--- a/semester2 PPT/TechnicalSEO.pptx
+++ b/semester2 PPT/TechnicalSEO.pptx
@@ -5,7 +5,7 @@
     <p:sldMasterId id="2147483678" r:id="rId4"/>
   </p:sldMasterIdLst>
   <p:notesMasterIdLst>
-    <p:notesMasterId r:id="rId33"/>
+    <p:notesMasterId r:id="rId34"/>
   </p:notesMasterIdLst>
   <p:sldIdLst>
     <p:sldId id="261" r:id="rId5"/>
@@ -15,27 +15,28 @@
     <p:sldId id="280" r:id="rId9"/>
     <p:sldId id="281" r:id="rId10"/>
     <p:sldId id="282" r:id="rId11"/>
-    <p:sldId id="292" r:id="rId12"/>
-    <p:sldId id="286" r:id="rId13"/>
-    <p:sldId id="283" r:id="rId14"/>
-    <p:sldId id="284" r:id="rId15"/>
-    <p:sldId id="285" r:id="rId16"/>
-    <p:sldId id="276" r:id="rId17"/>
-    <p:sldId id="289" r:id="rId18"/>
-    <p:sldId id="296" r:id="rId19"/>
-    <p:sldId id="295" r:id="rId20"/>
-    <p:sldId id="297" r:id="rId21"/>
-    <p:sldId id="290" r:id="rId22"/>
-    <p:sldId id="272" r:id="rId23"/>
-    <p:sldId id="273" r:id="rId24"/>
-    <p:sldId id="287" r:id="rId25"/>
-    <p:sldId id="288" r:id="rId26"/>
-    <p:sldId id="274" r:id="rId27"/>
-    <p:sldId id="275" r:id="rId28"/>
-    <p:sldId id="279" r:id="rId29"/>
-    <p:sldId id="293" r:id="rId30"/>
-    <p:sldId id="294" r:id="rId31"/>
-    <p:sldId id="291" r:id="rId32"/>
+    <p:sldId id="298" r:id="rId12"/>
+    <p:sldId id="292" r:id="rId13"/>
+    <p:sldId id="286" r:id="rId14"/>
+    <p:sldId id="283" r:id="rId15"/>
+    <p:sldId id="284" r:id="rId16"/>
+    <p:sldId id="285" r:id="rId17"/>
+    <p:sldId id="276" r:id="rId18"/>
+    <p:sldId id="289" r:id="rId19"/>
+    <p:sldId id="296" r:id="rId20"/>
+    <p:sldId id="295" r:id="rId21"/>
+    <p:sldId id="297" r:id="rId22"/>
+    <p:sldId id="290" r:id="rId23"/>
+    <p:sldId id="272" r:id="rId24"/>
+    <p:sldId id="273" r:id="rId25"/>
+    <p:sldId id="287" r:id="rId26"/>
+    <p:sldId id="288" r:id="rId27"/>
+    <p:sldId id="274" r:id="rId28"/>
+    <p:sldId id="275" r:id="rId29"/>
+    <p:sldId id="279" r:id="rId30"/>
+    <p:sldId id="293" r:id="rId31"/>
+    <p:sldId id="294" r:id="rId32"/>
+    <p:sldId id="291" r:id="rId33"/>
   </p:sldIdLst>
   <p:sldSz cx="12192000" cy="6858000"/>
   <p:notesSz cx="6858000" cy="9144000"/>
@@ -736,7 +737,7 @@
           </a:lstStyle>
           <a:p>
             <a:fld id="{115877E7-CA71-4671-B837-354BB4205947}" type="datetimeFigureOut">
-              <a:t>03/03/2025</a:t>
+              <a:t>06/03/2025</a:t>
             </a:fld>
             <a:endParaRPr lang="en-US"/>
           </a:p>
@@ -1070,7 +1071,7 @@
           <a:p>
             <a:fld id="{A2432492-29C1-40E0-86DE-D4C85F6BD6E3}" type="slidenum">
               <a:rPr lang="en-DK" smtClean="0"/>
-              <a:t>18</a:t>
+              <a:t>19</a:t>
             </a:fld>
             <a:endParaRPr lang="en-DK"/>
           </a:p>
@@ -1154,7 +1155,7 @@
           <a:p>
             <a:fld id="{A2432492-29C1-40E0-86DE-D4C85F6BD6E3}" type="slidenum">
               <a:rPr lang="en-DK" smtClean="0"/>
-              <a:t>27</a:t>
+              <a:t>28</a:t>
             </a:fld>
             <a:endParaRPr lang="en-DK"/>
           </a:p>
@@ -1304,7 +1305,7 @@
           <a:p>
             <a:fld id="{846CE7D5-CF57-46EF-B807-FDD0502418D4}" type="datetimeFigureOut">
               <a:rPr lang="en-US" smtClean="0"/>
-              <a:t>3/3/25</a:t>
+              <a:t>3/6/25</a:t>
             </a:fld>
             <a:endParaRPr lang="en-US"/>
           </a:p>
@@ -1474,7 +1475,7 @@
           <a:p>
             <a:fld id="{846CE7D5-CF57-46EF-B807-FDD0502418D4}" type="datetimeFigureOut">
               <a:rPr lang="en-US" smtClean="0"/>
-              <a:t>3/3/25</a:t>
+              <a:t>3/6/25</a:t>
             </a:fld>
             <a:endParaRPr lang="en-US"/>
           </a:p>
@@ -1654,7 +1655,7 @@
           <a:p>
             <a:fld id="{846CE7D5-CF57-46EF-B807-FDD0502418D4}" type="datetimeFigureOut">
               <a:rPr lang="en-US" smtClean="0"/>
-              <a:t>3/3/25</a:t>
+              <a:t>3/6/25</a:t>
             </a:fld>
             <a:endParaRPr lang="en-US"/>
           </a:p>
@@ -1824,7 +1825,7 @@
           <a:p>
             <a:fld id="{846CE7D5-CF57-46EF-B807-FDD0502418D4}" type="datetimeFigureOut">
               <a:rPr lang="en-US" smtClean="0"/>
-              <a:t>3/3/25</a:t>
+              <a:t>3/6/25</a:t>
             </a:fld>
             <a:endParaRPr lang="en-US"/>
           </a:p>
@@ -2070,7 +2071,7 @@
           <a:p>
             <a:fld id="{846CE7D5-CF57-46EF-B807-FDD0502418D4}" type="datetimeFigureOut">
               <a:rPr lang="en-US" smtClean="0"/>
-              <a:t>3/3/25</a:t>
+              <a:t>3/6/25</a:t>
             </a:fld>
             <a:endParaRPr lang="en-US"/>
           </a:p>
@@ -2302,7 +2303,7 @@
           <a:p>
             <a:fld id="{846CE7D5-CF57-46EF-B807-FDD0502418D4}" type="datetimeFigureOut">
               <a:rPr lang="en-US" smtClean="0"/>
-              <a:t>3/3/25</a:t>
+              <a:t>3/6/25</a:t>
             </a:fld>
             <a:endParaRPr lang="en-US"/>
           </a:p>
@@ -2669,7 +2670,7 @@
           <a:p>
             <a:fld id="{846CE7D5-CF57-46EF-B807-FDD0502418D4}" type="datetimeFigureOut">
               <a:rPr lang="en-US" smtClean="0"/>
-              <a:t>3/3/25</a:t>
+              <a:t>3/6/25</a:t>
             </a:fld>
             <a:endParaRPr lang="en-US"/>
           </a:p>
@@ -2787,7 +2788,7 @@
           <a:p>
             <a:fld id="{846CE7D5-CF57-46EF-B807-FDD0502418D4}" type="datetimeFigureOut">
               <a:rPr lang="en-US" smtClean="0"/>
-              <a:t>3/3/25</a:t>
+              <a:t>3/6/25</a:t>
             </a:fld>
             <a:endParaRPr lang="en-US"/>
           </a:p>
@@ -2882,7 +2883,7 @@
           <a:p>
             <a:fld id="{846CE7D5-CF57-46EF-B807-FDD0502418D4}" type="datetimeFigureOut">
               <a:rPr lang="en-US" smtClean="0"/>
-              <a:t>3/3/25</a:t>
+              <a:t>3/6/25</a:t>
             </a:fld>
             <a:endParaRPr lang="en-US"/>
           </a:p>
@@ -3159,7 +3160,7 @@
           <a:p>
             <a:fld id="{846CE7D5-CF57-46EF-B807-FDD0502418D4}" type="datetimeFigureOut">
               <a:rPr lang="en-US" smtClean="0"/>
-              <a:t>3/3/25</a:t>
+              <a:t>3/6/25</a:t>
             </a:fld>
             <a:endParaRPr lang="en-US"/>
           </a:p>
@@ -3416,7 +3417,7 @@
           <a:p>
             <a:fld id="{846CE7D5-CF57-46EF-B807-FDD0502418D4}" type="datetimeFigureOut">
               <a:rPr lang="en-US" smtClean="0"/>
-              <a:t>3/3/25</a:t>
+              <a:t>3/6/25</a:t>
             </a:fld>
             <a:endParaRPr lang="en-US"/>
           </a:p>
@@ -3629,7 +3630,7 @@
           <a:p>
             <a:fld id="{846CE7D5-CF57-46EF-B807-FDD0502418D4}" type="datetimeFigureOut">
               <a:rPr lang="en-US" smtClean="0"/>
-              <a:t>3/3/25</a:t>
+              <a:t>3/6/25</a:t>
             </a:fld>
             <a:endParaRPr lang="en-US"/>
           </a:p>
@@ -4671,6 +4672,271 @@
 <file path=ppt/slides/slide10.xml><?xml version="1.0" encoding="utf-8"?>
 <p:sld xmlns:a="http://schemas.openxmlformats.org/drawingml/2006/main" xmlns:r="http://schemas.openxmlformats.org/officeDocument/2006/relationships" xmlns:p="http://schemas.openxmlformats.org/presentationml/2006/main">
   <p:cSld>
+    <p:bg>
+      <p:bgPr>
+        <a:solidFill>
+          <a:schemeClr val="bg1"/>
+        </a:solidFill>
+        <a:effectLst/>
+      </p:bgPr>
+    </p:bg>
+    <p:spTree>
+      <p:nvGrpSpPr>
+        <p:cNvPr id="1" name=""/>
+        <p:cNvGrpSpPr/>
+        <p:nvPr/>
+      </p:nvGrpSpPr>
+      <p:grpSpPr>
+        <a:xfrm>
+          <a:off x="0" y="0"/>
+          <a:ext cx="0" cy="0"/>
+          <a:chOff x="0" y="0"/>
+          <a:chExt cx="0" cy="0"/>
+        </a:xfrm>
+      </p:grpSpPr>
+      <p:sp useBgFill="1">
+        <p:nvSpPr>
+          <p:cNvPr id="9" name="Slide Background">
+            <a:extLst>
+              <a:ext uri="{FF2B5EF4-FFF2-40B4-BE49-F238E27FC236}">
+                <a16:creationId xmlns:a16="http://schemas.microsoft.com/office/drawing/2014/main" id="{3ECBE1F1-D69B-4AFA-ABD5-8E41720EF6DE}"/>
+              </a:ext>
+              <a:ext uri="{C183D7F6-B498-43B3-948B-1728B52AA6E4}">
+                <adec:decorative xmlns:adec="http://schemas.microsoft.com/office/drawing/2017/decorative" val="1"/>
+              </a:ext>
+            </a:extLst>
+          </p:cNvPr>
+          <p:cNvSpPr>
+            <a:spLocks noGrp="1" noRot="1" noChangeAspect="1" noMove="1" noResize="1" noEditPoints="1" noAdjustHandles="1" noChangeArrowheads="1" noChangeShapeType="1" noTextEdit="1"/>
+          </p:cNvSpPr>
+          <p:nvPr>
+            <p:extLst>
+              <p:ext uri="{386F3935-93C4-4BCD-93E2-E3B085C9AB24}">
+                <p16:designElem xmlns:p16="http://schemas.microsoft.com/office/powerpoint/2015/main" val="1"/>
+              </p:ext>
+            </p:extLst>
+          </p:nvPr>
+        </p:nvSpPr>
+        <p:spPr>
+          <a:xfrm>
+            <a:off x="0" y="0"/>
+            <a:ext cx="12192000" cy="6858000"/>
+          </a:xfrm>
+          <a:prstGeom prst="rect">
+            <a:avLst/>
+          </a:prstGeom>
+          <a:ln>
+            <a:noFill/>
+          </a:ln>
+        </p:spPr>
+        <p:style>
+          <a:lnRef idx="2">
+            <a:schemeClr val="accent1">
+              <a:shade val="50000"/>
+            </a:schemeClr>
+          </a:lnRef>
+          <a:fillRef idx="1">
+            <a:schemeClr val="accent1"/>
+          </a:fillRef>
+          <a:effectRef idx="0">
+            <a:schemeClr val="accent1"/>
+          </a:effectRef>
+          <a:fontRef idx="minor">
+            <a:schemeClr val="lt1"/>
+          </a:fontRef>
+        </p:style>
+        <p:txBody>
+          <a:bodyPr rtlCol="0" anchor="ctr"/>
+          <a:lstStyle/>
+          <a:p>
+            <a:pPr algn="ctr"/>
+            <a:endParaRPr lang="en-US"/>
+          </a:p>
+        </p:txBody>
+      </p:sp>
+      <p:pic>
+        <p:nvPicPr>
+          <p:cNvPr id="5" name="Picture 4" descr="Exclamation mark on a yellow background">
+            <a:extLst>
+              <a:ext uri="{FF2B5EF4-FFF2-40B4-BE49-F238E27FC236}">
+                <a16:creationId xmlns:a16="http://schemas.microsoft.com/office/drawing/2014/main" id="{254730AA-2EDA-4289-80C1-11ED2844FE82}"/>
+              </a:ext>
+            </a:extLst>
+          </p:cNvPr>
+          <p:cNvPicPr>
+            <a:picLocks noChangeAspect="1"/>
+          </p:cNvPicPr>
+          <p:nvPr/>
+        </p:nvPicPr>
+        <p:blipFill rotWithShape="1">
+          <a:blip r:embed="rId2"/>
+          <a:srcRect l="26875" r="13958"/>
+          <a:stretch/>
+        </p:blipFill>
+        <p:spPr>
+          <a:xfrm>
+            <a:off x="-1" y="-2"/>
+            <a:ext cx="5410198" cy="6858002"/>
+          </a:xfrm>
+          <a:prstGeom prst="rect">
+            <a:avLst/>
+          </a:prstGeom>
+        </p:spPr>
+      </p:pic>
+      <p:sp useBgFill="1">
+        <p:nvSpPr>
+          <p:cNvPr id="11" name="Rectangle 10">
+            <a:extLst>
+              <a:ext uri="{FF2B5EF4-FFF2-40B4-BE49-F238E27FC236}">
+                <a16:creationId xmlns:a16="http://schemas.microsoft.com/office/drawing/2014/main" id="{603A6265-E10C-4B85-9C20-E75FCAF9CC63}"/>
+              </a:ext>
+              <a:ext uri="{C183D7F6-B498-43B3-948B-1728B52AA6E4}">
+                <adec:decorative xmlns:adec="http://schemas.microsoft.com/office/drawing/2017/decorative" val="1"/>
+              </a:ext>
+            </a:extLst>
+          </p:cNvPr>
+          <p:cNvSpPr>
+            <a:spLocks noGrp="1" noRot="1" noChangeAspect="1" noMove="1" noResize="1" noEditPoints="1" noAdjustHandles="1" noChangeArrowheads="1" noChangeShapeType="1" noTextEdit="1"/>
+          </p:cNvSpPr>
+          <p:nvPr>
+            <p:extLst>
+              <p:ext uri="{386F3935-93C4-4BCD-93E2-E3B085C9AB24}">
+                <p16:designElem xmlns:p16="http://schemas.microsoft.com/office/powerpoint/2015/main" val="1"/>
+              </p:ext>
+            </p:extLst>
+          </p:nvPr>
+        </p:nvSpPr>
+        <p:spPr>
+          <a:xfrm>
+            <a:off x="5410197" y="-1"/>
+            <a:ext cx="6781802" cy="2286000"/>
+          </a:xfrm>
+          <a:prstGeom prst="rect">
+            <a:avLst/>
+          </a:prstGeom>
+          <a:ln>
+            <a:noFill/>
+          </a:ln>
+          <a:effectLst>
+            <a:outerShdw blurRad="355600" dist="152400" sx="95000" sy="95000" algn="t" rotWithShape="0">
+              <a:srgbClr val="000000">
+                <a:alpha val="29000"/>
+              </a:srgbClr>
+            </a:outerShdw>
+          </a:effectLst>
+        </p:spPr>
+        <p:style>
+          <a:lnRef idx="2">
+            <a:schemeClr val="accent1">
+              <a:shade val="50000"/>
+            </a:schemeClr>
+          </a:lnRef>
+          <a:fillRef idx="1">
+            <a:schemeClr val="accent1"/>
+          </a:fillRef>
+          <a:effectRef idx="0">
+            <a:schemeClr val="accent1"/>
+          </a:effectRef>
+          <a:fontRef idx="minor">
+            <a:schemeClr val="lt1"/>
+          </a:fontRef>
+        </p:style>
+        <p:txBody>
+          <a:bodyPr rtlCol="0" anchor="ctr"/>
+          <a:lstStyle/>
+          <a:p>
+            <a:pPr algn="ctr"/>
+            <a:endParaRPr lang="en-US"/>
+          </a:p>
+        </p:txBody>
+      </p:sp>
+      <p:sp>
+        <p:nvSpPr>
+          <p:cNvPr id="2" name="Title 1">
+            <a:extLst>
+              <a:ext uri="{FF2B5EF4-FFF2-40B4-BE49-F238E27FC236}">
+                <a16:creationId xmlns:a16="http://schemas.microsoft.com/office/drawing/2014/main" id="{E68DF941-5078-A7F0-9A55-E0E40864C36F}"/>
+              </a:ext>
+            </a:extLst>
+          </p:cNvPr>
+          <p:cNvSpPr>
+            <a:spLocks noGrp="1"/>
+          </p:cNvSpPr>
+          <p:nvPr>
+            <p:ph type="title"/>
+          </p:nvPr>
+        </p:nvSpPr>
+        <p:spPr>
+          <a:xfrm>
+            <a:off x="6115317" y="405685"/>
+            <a:ext cx="5464968" cy="1559301"/>
+          </a:xfrm>
+        </p:spPr>
+        <p:txBody>
+          <a:bodyPr>
+            <a:normAutofit/>
+          </a:bodyPr>
+          <a:lstStyle/>
+          <a:p>
+            <a:r>
+              <a:rPr lang="en-GB" sz="4000" b="0" i="0" dirty="0">
+                <a:effectLst/>
+                <a:latin typeface="IBM Plex Sans" panose="020B0503050203000203" pitchFamily="34" charset="0"/>
+              </a:rPr>
+              <a:t>index your web pages</a:t>
+            </a:r>
+            <a:endParaRPr lang="en-DK" sz="4000" dirty="0"/>
+          </a:p>
+        </p:txBody>
+      </p:sp>
+      <p:sp>
+        <p:nvSpPr>
+          <p:cNvPr id="3" name="Content Placeholder 2">
+            <a:extLst>
+              <a:ext uri="{FF2B5EF4-FFF2-40B4-BE49-F238E27FC236}">
+                <a16:creationId xmlns:a16="http://schemas.microsoft.com/office/drawing/2014/main" id="{780F27C9-DA3B-4C36-34BC-7916921F17BB}"/>
+              </a:ext>
+            </a:extLst>
+          </p:cNvPr>
+          <p:cNvSpPr>
+            <a:spLocks noGrp="1"/>
+          </p:cNvSpPr>
+          <p:nvPr>
+            <p:ph idx="1"/>
+          </p:nvPr>
+        </p:nvSpPr>
+        <p:spPr>
+          <a:xfrm>
+            <a:off x="6115317" y="2743200"/>
+            <a:ext cx="5247340" cy="3496878"/>
+          </a:xfrm>
+        </p:spPr>
+        <p:txBody>
+          <a:bodyPr anchor="ctr">
+            <a:normAutofit/>
+          </a:bodyPr>
+          <a:lstStyle/>
+          <a:p>
+            <a:endParaRPr lang="en-DK" sz="2000"/>
+          </a:p>
+        </p:txBody>
+      </p:sp>
+    </p:spTree>
+    <p:extLst>
+      <p:ext uri="{BB962C8B-B14F-4D97-AF65-F5344CB8AC3E}">
+        <p14:creationId xmlns:p14="http://schemas.microsoft.com/office/powerpoint/2010/main" val="1556088221"/>
+      </p:ext>
+    </p:extLst>
+  </p:cSld>
+  <p:clrMapOvr>
+    <a:masterClrMapping/>
+  </p:clrMapOvr>
+</p:sld>
+</file>
+
+<file path=ppt/slides/slide11.xml><?xml version="1.0" encoding="utf-8"?>
+<p:sld xmlns:a="http://schemas.openxmlformats.org/drawingml/2006/main" xmlns:r="http://schemas.openxmlformats.org/officeDocument/2006/relationships" xmlns:p="http://schemas.openxmlformats.org/presentationml/2006/main">
+  <p:cSld>
     <p:spTree>
       <p:nvGrpSpPr>
         <p:cNvPr id="1" name=""/>
@@ -4766,7 +5032,7 @@
 </p:sld>
 </file>
 
-<file path=ppt/slides/slide11.xml><?xml version="1.0" encoding="utf-8"?>
+<file path=ppt/slides/slide12.xml><?xml version="1.0" encoding="utf-8"?>
 <p:sld xmlns:a="http://schemas.openxmlformats.org/drawingml/2006/main" xmlns:r="http://schemas.openxmlformats.org/officeDocument/2006/relationships" xmlns:p="http://schemas.openxmlformats.org/presentationml/2006/main">
   <p:cSld>
     <p:spTree>
@@ -4863,7 +5129,7 @@
 </p:sld>
 </file>
 
-<file path=ppt/slides/slide12.xml><?xml version="1.0" encoding="utf-8"?>
+<file path=ppt/slides/slide13.xml><?xml version="1.0" encoding="utf-8"?>
 <p:sld xmlns:a="http://schemas.openxmlformats.org/drawingml/2006/main" xmlns:r="http://schemas.openxmlformats.org/officeDocument/2006/relationships" xmlns:p="http://schemas.openxmlformats.org/presentationml/2006/main">
   <p:cSld>
     <p:bg>
@@ -5096,7 +5362,7 @@
 </p:sld>
 </file>
 
-<file path=ppt/slides/slide13.xml><?xml version="1.0" encoding="utf-8"?>
+<file path=ppt/slides/slide14.xml><?xml version="1.0" encoding="utf-8"?>
 <p:sld xmlns:a="http://schemas.openxmlformats.org/drawingml/2006/main" xmlns:r="http://schemas.openxmlformats.org/officeDocument/2006/relationships" xmlns:p="http://schemas.openxmlformats.org/presentationml/2006/main">
   <p:cSld>
     <p:bg>
@@ -5312,7 +5578,7 @@
 </p:sld>
 </file>
 
-<file path=ppt/slides/slide14.xml><?xml version="1.0" encoding="utf-8"?>
+<file path=ppt/slides/slide15.xml><?xml version="1.0" encoding="utf-8"?>
 <p:sld xmlns:a="http://schemas.openxmlformats.org/drawingml/2006/main" xmlns:r="http://schemas.openxmlformats.org/officeDocument/2006/relationships" xmlns:p="http://schemas.openxmlformats.org/presentationml/2006/main">
   <p:cSld>
     <p:spTree>
@@ -5431,7 +5697,7 @@
 </p:sld>
 </file>
 
-<file path=ppt/slides/slide15.xml><?xml version="1.0" encoding="utf-8"?>
+<file path=ppt/slides/slide16.xml><?xml version="1.0" encoding="utf-8"?>
 <p:sld xmlns:a="http://schemas.openxmlformats.org/drawingml/2006/main" xmlns:r="http://schemas.openxmlformats.org/officeDocument/2006/relationships" xmlns:p="http://schemas.openxmlformats.org/presentationml/2006/main">
   <p:cSld>
     <p:spTree>
@@ -5631,7 +5897,7 @@
 </p:sld>
 </file>
 
-<file path=ppt/slides/slide16.xml><?xml version="1.0" encoding="utf-8"?>
+<file path=ppt/slides/slide17.xml><?xml version="1.0" encoding="utf-8"?>
 <p:sld xmlns:a="http://schemas.openxmlformats.org/drawingml/2006/main" xmlns:r="http://schemas.openxmlformats.org/officeDocument/2006/relationships" xmlns:p="http://schemas.openxmlformats.org/presentationml/2006/main">
   <p:cSld>
     <p:spTree>
@@ -5742,7 +6008,7 @@
 </p:sld>
 </file>
 
-<file path=ppt/slides/slide17.xml><?xml version="1.0" encoding="utf-8"?>
+<file path=ppt/slides/slide18.xml><?xml version="1.0" encoding="utf-8"?>
 <p:sld xmlns:a="http://schemas.openxmlformats.org/drawingml/2006/main" xmlns:r="http://schemas.openxmlformats.org/officeDocument/2006/relationships" xmlns:p="http://schemas.openxmlformats.org/presentationml/2006/main">
   <p:cSld>
     <p:spTree>
@@ -5817,7 +6083,7 @@
 </p:sld>
 </file>
 
-<file path=ppt/slides/slide18.xml><?xml version="1.0" encoding="utf-8"?>
+<file path=ppt/slides/slide19.xml><?xml version="1.0" encoding="utf-8"?>
 <p:sld xmlns:a="http://schemas.openxmlformats.org/drawingml/2006/main" xmlns:r="http://schemas.openxmlformats.org/officeDocument/2006/relationships" xmlns:p="http://schemas.openxmlformats.org/presentationml/2006/main">
   <p:cSld>
     <p:spTree>
@@ -5933,112 +6199,6 @@
 </p:sld>
 </file>
 
-<file path=ppt/slides/slide19.xml><?xml version="1.0" encoding="utf-8"?>
-<p:sld xmlns:a="http://schemas.openxmlformats.org/drawingml/2006/main" xmlns:r="http://schemas.openxmlformats.org/officeDocument/2006/relationships" xmlns:p="http://schemas.openxmlformats.org/presentationml/2006/main">
-  <p:cSld>
-    <p:spTree>
-      <p:nvGrpSpPr>
-        <p:cNvPr id="1" name=""/>
-        <p:cNvGrpSpPr/>
-        <p:nvPr/>
-      </p:nvGrpSpPr>
-      <p:grpSpPr>
-        <a:xfrm>
-          <a:off x="0" y="0"/>
-          <a:ext cx="0" cy="0"/>
-          <a:chOff x="0" y="0"/>
-          <a:chExt cx="0" cy="0"/>
-        </a:xfrm>
-      </p:grpSpPr>
-      <p:sp>
-        <p:nvSpPr>
-          <p:cNvPr id="3" name="TextBox 2">
-            <a:extLst>
-              <a:ext uri="{FF2B5EF4-FFF2-40B4-BE49-F238E27FC236}">
-                <a16:creationId xmlns:a16="http://schemas.microsoft.com/office/drawing/2014/main" id="{E441FAC2-7865-992B-8B8A-BC17257719C0}"/>
-              </a:ext>
-            </a:extLst>
-          </p:cNvPr>
-          <p:cNvSpPr txBox="1"/>
-          <p:nvPr/>
-        </p:nvSpPr>
-        <p:spPr>
-          <a:xfrm>
-            <a:off x="879529" y="2229195"/>
-            <a:ext cx="6098582" cy="584775"/>
-          </a:xfrm>
-          <a:prstGeom prst="rect">
-            <a:avLst/>
-          </a:prstGeom>
-          <a:noFill/>
-        </p:spPr>
-        <p:txBody>
-          <a:bodyPr wrap="square">
-            <a:spAutoFit/>
-          </a:bodyPr>
-          <a:lstStyle/>
-          <a:p>
-            <a:r>
-              <a:rPr lang="en-GB" sz="3200" dirty="0"/>
-              <a:t>Website Performance Optimization</a:t>
-            </a:r>
-            <a:endParaRPr lang="en-DK" sz="3200" dirty="0"/>
-          </a:p>
-        </p:txBody>
-      </p:sp>
-      <p:sp>
-        <p:nvSpPr>
-          <p:cNvPr id="5" name="TextBox 4">
-            <a:extLst>
-              <a:ext uri="{FF2B5EF4-FFF2-40B4-BE49-F238E27FC236}">
-                <a16:creationId xmlns:a16="http://schemas.microsoft.com/office/drawing/2014/main" id="{AF90197D-494C-DD93-3DF5-8EEF8DB657CD}"/>
-              </a:ext>
-            </a:extLst>
-          </p:cNvPr>
-          <p:cNvSpPr txBox="1"/>
-          <p:nvPr/>
-        </p:nvSpPr>
-        <p:spPr>
-          <a:xfrm>
-            <a:off x="1135251" y="2937324"/>
-            <a:ext cx="6098582" cy="923330"/>
-          </a:xfrm>
-          <a:prstGeom prst="rect">
-            <a:avLst/>
-          </a:prstGeom>
-          <a:noFill/>
-        </p:spPr>
-        <p:txBody>
-          <a:bodyPr wrap="square">
-            <a:spAutoFit/>
-          </a:bodyPr>
-          <a:lstStyle/>
-          <a:p>
-            <a:r>
-              <a:rPr lang="en-GB" dirty="0"/>
-              <a:t>key areas of website performance optimization, such as optimizing page load speed, compressing images, and leveraging </a:t>
-            </a:r>
-            <a:r>
-              <a:rPr lang="en-GB" b="1" dirty="0"/>
-              <a:t>caching techniques.</a:t>
-            </a:r>
-            <a:endParaRPr lang="en-DK" b="1" dirty="0"/>
-          </a:p>
-        </p:txBody>
-      </p:sp>
-    </p:spTree>
-    <p:extLst>
-      <p:ext uri="{BB962C8B-B14F-4D97-AF65-F5344CB8AC3E}">
-        <p14:creationId xmlns:p14="http://schemas.microsoft.com/office/powerpoint/2010/main" val="4255323369"/>
-      </p:ext>
-    </p:extLst>
-  </p:cSld>
-  <p:clrMapOvr>
-    <a:masterClrMapping/>
-  </p:clrMapOvr>
-</p:sld>
-</file>
-
 <file path=ppt/slides/slide2.xml><?xml version="1.0" encoding="utf-8"?>
 <p:sld xmlns:a="http://schemas.openxmlformats.org/drawingml/2006/main" xmlns:r="http://schemas.openxmlformats.org/officeDocument/2006/relationships" xmlns:p="http://schemas.openxmlformats.org/presentationml/2006/main">
   <p:cSld>
@@ -6174,6 +6334,112 @@
 </file>
 
 <file path=ppt/slides/slide20.xml><?xml version="1.0" encoding="utf-8"?>
+<p:sld xmlns:a="http://schemas.openxmlformats.org/drawingml/2006/main" xmlns:r="http://schemas.openxmlformats.org/officeDocument/2006/relationships" xmlns:p="http://schemas.openxmlformats.org/presentationml/2006/main">
+  <p:cSld>
+    <p:spTree>
+      <p:nvGrpSpPr>
+        <p:cNvPr id="1" name=""/>
+        <p:cNvGrpSpPr/>
+        <p:nvPr/>
+      </p:nvGrpSpPr>
+      <p:grpSpPr>
+        <a:xfrm>
+          <a:off x="0" y="0"/>
+          <a:ext cx="0" cy="0"/>
+          <a:chOff x="0" y="0"/>
+          <a:chExt cx="0" cy="0"/>
+        </a:xfrm>
+      </p:grpSpPr>
+      <p:sp>
+        <p:nvSpPr>
+          <p:cNvPr id="3" name="TextBox 2">
+            <a:extLst>
+              <a:ext uri="{FF2B5EF4-FFF2-40B4-BE49-F238E27FC236}">
+                <a16:creationId xmlns:a16="http://schemas.microsoft.com/office/drawing/2014/main" id="{E441FAC2-7865-992B-8B8A-BC17257719C0}"/>
+              </a:ext>
+            </a:extLst>
+          </p:cNvPr>
+          <p:cNvSpPr txBox="1"/>
+          <p:nvPr/>
+        </p:nvSpPr>
+        <p:spPr>
+          <a:xfrm>
+            <a:off x="879529" y="2229195"/>
+            <a:ext cx="6098582" cy="584775"/>
+          </a:xfrm>
+          <a:prstGeom prst="rect">
+            <a:avLst/>
+          </a:prstGeom>
+          <a:noFill/>
+        </p:spPr>
+        <p:txBody>
+          <a:bodyPr wrap="square">
+            <a:spAutoFit/>
+          </a:bodyPr>
+          <a:lstStyle/>
+          <a:p>
+            <a:r>
+              <a:rPr lang="en-GB" sz="3200" dirty="0"/>
+              <a:t>Website Performance Optimization</a:t>
+            </a:r>
+            <a:endParaRPr lang="en-DK" sz="3200" dirty="0"/>
+          </a:p>
+        </p:txBody>
+      </p:sp>
+      <p:sp>
+        <p:nvSpPr>
+          <p:cNvPr id="5" name="TextBox 4">
+            <a:extLst>
+              <a:ext uri="{FF2B5EF4-FFF2-40B4-BE49-F238E27FC236}">
+                <a16:creationId xmlns:a16="http://schemas.microsoft.com/office/drawing/2014/main" id="{AF90197D-494C-DD93-3DF5-8EEF8DB657CD}"/>
+              </a:ext>
+            </a:extLst>
+          </p:cNvPr>
+          <p:cNvSpPr txBox="1"/>
+          <p:nvPr/>
+        </p:nvSpPr>
+        <p:spPr>
+          <a:xfrm>
+            <a:off x="1135251" y="2937324"/>
+            <a:ext cx="6098582" cy="923330"/>
+          </a:xfrm>
+          <a:prstGeom prst="rect">
+            <a:avLst/>
+          </a:prstGeom>
+          <a:noFill/>
+        </p:spPr>
+        <p:txBody>
+          <a:bodyPr wrap="square">
+            <a:spAutoFit/>
+          </a:bodyPr>
+          <a:lstStyle/>
+          <a:p>
+            <a:r>
+              <a:rPr lang="en-GB" dirty="0"/>
+              <a:t>key areas of website performance optimization, such as optimizing page load speed, compressing images, and leveraging </a:t>
+            </a:r>
+            <a:r>
+              <a:rPr lang="en-GB" b="1" dirty="0"/>
+              <a:t>caching techniques.</a:t>
+            </a:r>
+            <a:endParaRPr lang="en-DK" b="1" dirty="0"/>
+          </a:p>
+        </p:txBody>
+      </p:sp>
+    </p:spTree>
+    <p:extLst>
+      <p:ext uri="{BB962C8B-B14F-4D97-AF65-F5344CB8AC3E}">
+        <p14:creationId xmlns:p14="http://schemas.microsoft.com/office/powerpoint/2010/main" val="4255323369"/>
+      </p:ext>
+    </p:extLst>
+  </p:cSld>
+  <p:clrMapOvr>
+    <a:masterClrMapping/>
+  </p:clrMapOvr>
+</p:sld>
+</file>
+
+<file path=ppt/slides/slide21.xml><?xml version="1.0" encoding="utf-8"?>
 <p:sld xmlns:a="http://schemas.openxmlformats.org/drawingml/2006/main" xmlns:r="http://schemas.openxmlformats.org/officeDocument/2006/relationships" xmlns:p="http://schemas.openxmlformats.org/presentationml/2006/main">
   <p:cSld>
     <p:bg>
@@ -6554,7 +6820,7 @@
 </p:sld>
 </file>
 
-<file path=ppt/slides/slide21.xml><?xml version="1.0" encoding="utf-8"?>
+<file path=ppt/slides/slide22.xml><?xml version="1.0" encoding="utf-8"?>
 <p:sld xmlns:a="http://schemas.openxmlformats.org/drawingml/2006/main" xmlns:r="http://schemas.openxmlformats.org/officeDocument/2006/relationships" xmlns:p="http://schemas.openxmlformats.org/presentationml/2006/main">
   <p:cSld>
     <p:spTree>
@@ -6632,7 +6898,7 @@
 </p:sld>
 </file>
 
-<file path=ppt/slides/slide22.xml><?xml version="1.0" encoding="utf-8"?>
+<file path=ppt/slides/slide23.xml><?xml version="1.0" encoding="utf-8"?>
 <p:sld xmlns:a="http://schemas.openxmlformats.org/drawingml/2006/main" xmlns:r="http://schemas.openxmlformats.org/officeDocument/2006/relationships" xmlns:p="http://schemas.openxmlformats.org/presentationml/2006/main">
   <p:cSld>
     <p:bg>
@@ -6984,7 +7250,7 @@
 </p:sld>
 </file>
 
-<file path=ppt/slides/slide23.xml><?xml version="1.0" encoding="utf-8"?>
+<file path=ppt/slides/slide24.xml><?xml version="1.0" encoding="utf-8"?>
 <p:sld xmlns:a="http://schemas.openxmlformats.org/drawingml/2006/main" xmlns:r="http://schemas.openxmlformats.org/officeDocument/2006/relationships" xmlns:p="http://schemas.openxmlformats.org/presentationml/2006/main">
   <p:cSld>
     <p:bg>
@@ -7317,7 +7583,7 @@
 </p:sld>
 </file>
 
-<file path=ppt/slides/slide24.xml><?xml version="1.0" encoding="utf-8"?>
+<file path=ppt/slides/slide25.xml><?xml version="1.0" encoding="utf-8"?>
 <p:sld xmlns:a="http://schemas.openxmlformats.org/drawingml/2006/main" xmlns:r="http://schemas.openxmlformats.org/officeDocument/2006/relationships" xmlns:p="http://schemas.openxmlformats.org/presentationml/2006/main">
   <p:cSld>
     <p:bg>
@@ -7741,141 +8007,6 @@
 </p:sld>
 </file>
 
-<file path=ppt/slides/slide25.xml><?xml version="1.0" encoding="utf-8"?>
-<p:sld xmlns:a="http://schemas.openxmlformats.org/drawingml/2006/main" xmlns:r="http://schemas.openxmlformats.org/officeDocument/2006/relationships" xmlns:p="http://schemas.openxmlformats.org/presentationml/2006/main">
-  <p:cSld>
-    <p:spTree>
-      <p:nvGrpSpPr>
-        <p:cNvPr id="1" name=""/>
-        <p:cNvGrpSpPr/>
-        <p:nvPr/>
-      </p:nvGrpSpPr>
-      <p:grpSpPr>
-        <a:xfrm>
-          <a:off x="0" y="0"/>
-          <a:ext cx="0" cy="0"/>
-          <a:chOff x="0" y="0"/>
-          <a:chExt cx="0" cy="0"/>
-        </a:xfrm>
-      </p:grpSpPr>
-      <p:sp>
-        <p:nvSpPr>
-          <p:cNvPr id="3" name="TextBox 2">
-            <a:extLst>
-              <a:ext uri="{FF2B5EF4-FFF2-40B4-BE49-F238E27FC236}">
-                <a16:creationId xmlns:a16="http://schemas.microsoft.com/office/drawing/2014/main" id="{45FDDAE9-01B1-3410-4EC5-0234F6793E09}"/>
-              </a:ext>
-            </a:extLst>
-          </p:cNvPr>
-          <p:cNvSpPr txBox="1"/>
-          <p:nvPr/>
-        </p:nvSpPr>
-        <p:spPr>
-          <a:xfrm>
-            <a:off x="3049030" y="3244334"/>
-            <a:ext cx="6098058" cy="584775"/>
-          </a:xfrm>
-          <a:prstGeom prst="rect">
-            <a:avLst/>
-          </a:prstGeom>
-          <a:noFill/>
-        </p:spPr>
-        <p:txBody>
-          <a:bodyPr wrap="square">
-            <a:spAutoFit/>
-          </a:bodyPr>
-          <a:lstStyle/>
-          <a:p>
-            <a:pPr algn="l"/>
-            <a:r>
-              <a:rPr lang="en-GB" sz="3200" b="1" i="0" dirty="0">
-                <a:solidFill>
-                  <a:srgbClr val="252525"/>
-                </a:solidFill>
-                <a:effectLst/>
-                <a:highlight>
-                  <a:srgbClr val="FFFFFF"/>
-                </a:highlight>
-                <a:latin typeface="Inter"/>
-              </a:rPr>
-              <a:t>A look into </a:t>
-            </a:r>
-            <a:r>
-              <a:rPr lang="en-GB" sz="3200" b="1" dirty="0">
-                <a:solidFill>
-                  <a:srgbClr val="252525"/>
-                </a:solidFill>
-                <a:highlight>
-                  <a:srgbClr val="FFFFFF"/>
-                </a:highlight>
-                <a:latin typeface="Inter"/>
-              </a:rPr>
-              <a:t>future -&gt; </a:t>
-            </a:r>
-            <a:r>
-              <a:rPr lang="en-GB" sz="3200" b="1" i="0" dirty="0">
-                <a:solidFill>
-                  <a:srgbClr val="252525"/>
-                </a:solidFill>
-                <a:effectLst/>
-                <a:highlight>
-                  <a:srgbClr val="FFFFFF"/>
-                </a:highlight>
-                <a:latin typeface="Inter"/>
-              </a:rPr>
-              <a:t>Google SGE</a:t>
-            </a:r>
-          </a:p>
-        </p:txBody>
-      </p:sp>
-      <p:sp>
-        <p:nvSpPr>
-          <p:cNvPr id="5" name="TextBox 4">
-            <a:extLst>
-              <a:ext uri="{FF2B5EF4-FFF2-40B4-BE49-F238E27FC236}">
-                <a16:creationId xmlns:a16="http://schemas.microsoft.com/office/drawing/2014/main" id="{8EBB7AD3-0641-410E-01B8-3E4AF9DF766A}"/>
-              </a:ext>
-            </a:extLst>
-          </p:cNvPr>
-          <p:cNvSpPr txBox="1"/>
-          <p:nvPr/>
-        </p:nvSpPr>
-        <p:spPr>
-          <a:xfrm>
-            <a:off x="3049030" y="4430582"/>
-            <a:ext cx="6098058" cy="369332"/>
-          </a:xfrm>
-          <a:prstGeom prst="rect">
-            <a:avLst/>
-          </a:prstGeom>
-          <a:noFill/>
-        </p:spPr>
-        <p:txBody>
-          <a:bodyPr wrap="square">
-            <a:spAutoFit/>
-          </a:bodyPr>
-          <a:lstStyle/>
-          <a:p>
-            <a:r>
-              <a:rPr lang="en-DK" dirty="0"/>
-              <a:t>https://youtu.be/dVsiusLQy5Q?si=22Zlp2LutMWZmTEw</a:t>
-            </a:r>
-          </a:p>
-        </p:txBody>
-      </p:sp>
-    </p:spTree>
-    <p:extLst>
-      <p:ext uri="{BB962C8B-B14F-4D97-AF65-F5344CB8AC3E}">
-        <p14:creationId xmlns:p14="http://schemas.microsoft.com/office/powerpoint/2010/main" val="2785944099"/>
-      </p:ext>
-    </p:extLst>
-  </p:cSld>
-  <p:clrMapOvr>
-    <a:masterClrMapping/>
-  </p:clrMapOvr>
-</p:sld>
-</file>
-
 <file path=ppt/slides/slide26.xml><?xml version="1.0" encoding="utf-8"?>
 <p:sld xmlns:a="http://schemas.openxmlformats.org/drawingml/2006/main" xmlns:r="http://schemas.openxmlformats.org/officeDocument/2006/relationships" xmlns:p="http://schemas.openxmlformats.org/presentationml/2006/main">
   <p:cSld>
@@ -7895,6 +8026,141 @@
       </p:grpSpPr>
       <p:sp>
         <p:nvSpPr>
+          <p:cNvPr id="3" name="TextBox 2">
+            <a:extLst>
+              <a:ext uri="{FF2B5EF4-FFF2-40B4-BE49-F238E27FC236}">
+                <a16:creationId xmlns:a16="http://schemas.microsoft.com/office/drawing/2014/main" id="{45FDDAE9-01B1-3410-4EC5-0234F6793E09}"/>
+              </a:ext>
+            </a:extLst>
+          </p:cNvPr>
+          <p:cNvSpPr txBox="1"/>
+          <p:nvPr/>
+        </p:nvSpPr>
+        <p:spPr>
+          <a:xfrm>
+            <a:off x="3049030" y="3244334"/>
+            <a:ext cx="6098058" cy="584775"/>
+          </a:xfrm>
+          <a:prstGeom prst="rect">
+            <a:avLst/>
+          </a:prstGeom>
+          <a:noFill/>
+        </p:spPr>
+        <p:txBody>
+          <a:bodyPr wrap="square">
+            <a:spAutoFit/>
+          </a:bodyPr>
+          <a:lstStyle/>
+          <a:p>
+            <a:pPr algn="l"/>
+            <a:r>
+              <a:rPr lang="en-GB" sz="3200" b="1" i="0" dirty="0">
+                <a:solidFill>
+                  <a:srgbClr val="252525"/>
+                </a:solidFill>
+                <a:effectLst/>
+                <a:highlight>
+                  <a:srgbClr val="FFFFFF"/>
+                </a:highlight>
+                <a:latin typeface="Inter"/>
+              </a:rPr>
+              <a:t>A look into </a:t>
+            </a:r>
+            <a:r>
+              <a:rPr lang="en-GB" sz="3200" b="1" dirty="0">
+                <a:solidFill>
+                  <a:srgbClr val="252525"/>
+                </a:solidFill>
+                <a:highlight>
+                  <a:srgbClr val="FFFFFF"/>
+                </a:highlight>
+                <a:latin typeface="Inter"/>
+              </a:rPr>
+              <a:t>future -&gt; </a:t>
+            </a:r>
+            <a:r>
+              <a:rPr lang="en-GB" sz="3200" b="1" i="0" dirty="0">
+                <a:solidFill>
+                  <a:srgbClr val="252525"/>
+                </a:solidFill>
+                <a:effectLst/>
+                <a:highlight>
+                  <a:srgbClr val="FFFFFF"/>
+                </a:highlight>
+                <a:latin typeface="Inter"/>
+              </a:rPr>
+              <a:t>Google SGE</a:t>
+            </a:r>
+          </a:p>
+        </p:txBody>
+      </p:sp>
+      <p:sp>
+        <p:nvSpPr>
+          <p:cNvPr id="5" name="TextBox 4">
+            <a:extLst>
+              <a:ext uri="{FF2B5EF4-FFF2-40B4-BE49-F238E27FC236}">
+                <a16:creationId xmlns:a16="http://schemas.microsoft.com/office/drawing/2014/main" id="{8EBB7AD3-0641-410E-01B8-3E4AF9DF766A}"/>
+              </a:ext>
+            </a:extLst>
+          </p:cNvPr>
+          <p:cNvSpPr txBox="1"/>
+          <p:nvPr/>
+        </p:nvSpPr>
+        <p:spPr>
+          <a:xfrm>
+            <a:off x="3049030" y="4430582"/>
+            <a:ext cx="6098058" cy="369332"/>
+          </a:xfrm>
+          <a:prstGeom prst="rect">
+            <a:avLst/>
+          </a:prstGeom>
+          <a:noFill/>
+        </p:spPr>
+        <p:txBody>
+          <a:bodyPr wrap="square">
+            <a:spAutoFit/>
+          </a:bodyPr>
+          <a:lstStyle/>
+          <a:p>
+            <a:r>
+              <a:rPr lang="en-DK" dirty="0"/>
+              <a:t>https://youtu.be/dVsiusLQy5Q?si=22Zlp2LutMWZmTEw</a:t>
+            </a:r>
+          </a:p>
+        </p:txBody>
+      </p:sp>
+    </p:spTree>
+    <p:extLst>
+      <p:ext uri="{BB962C8B-B14F-4D97-AF65-F5344CB8AC3E}">
+        <p14:creationId xmlns:p14="http://schemas.microsoft.com/office/powerpoint/2010/main" val="2785944099"/>
+      </p:ext>
+    </p:extLst>
+  </p:cSld>
+  <p:clrMapOvr>
+    <a:masterClrMapping/>
+  </p:clrMapOvr>
+</p:sld>
+</file>
+
+<file path=ppt/slides/slide27.xml><?xml version="1.0" encoding="utf-8"?>
+<p:sld xmlns:a="http://schemas.openxmlformats.org/drawingml/2006/main" xmlns:r="http://schemas.openxmlformats.org/officeDocument/2006/relationships" xmlns:p="http://schemas.openxmlformats.org/presentationml/2006/main">
+  <p:cSld>
+    <p:spTree>
+      <p:nvGrpSpPr>
+        <p:cNvPr id="1" name=""/>
+        <p:cNvGrpSpPr/>
+        <p:nvPr/>
+      </p:nvGrpSpPr>
+      <p:grpSpPr>
+        <a:xfrm>
+          <a:off x="0" y="0"/>
+          <a:ext cx="0" cy="0"/>
+          <a:chOff x="0" y="0"/>
+          <a:chExt cx="0" cy="0"/>
+        </a:xfrm>
+      </p:grpSpPr>
+      <p:sp>
+        <p:nvSpPr>
           <p:cNvPr id="2" name="TextBox 1">
             <a:extLst>
               <a:ext uri="{FF2B5EF4-FFF2-40B4-BE49-F238E27FC236}">
@@ -8072,7 +8338,7 @@
 </p:sld>
 </file>
 
-<file path=ppt/slides/slide27.xml><?xml version="1.0" encoding="utf-8"?>
+<file path=ppt/slides/slide28.xml><?xml version="1.0" encoding="utf-8"?>
 <p:sld xmlns:a="http://schemas.openxmlformats.org/drawingml/2006/main" xmlns:r="http://schemas.openxmlformats.org/officeDocument/2006/relationships" xmlns:p="http://schemas.openxmlformats.org/presentationml/2006/main">
   <p:cSld>
     <p:bg>
@@ -8353,7 +8619,7 @@
 </p:sld>
 </file>
 
-<file path=ppt/slides/slide28.xml><?xml version="1.0" encoding="utf-8"?>
+<file path=ppt/slides/slide29.xml><?xml version="1.0" encoding="utf-8"?>
 <p:sld xmlns:a="http://schemas.openxmlformats.org/drawingml/2006/main" xmlns:r="http://schemas.openxmlformats.org/officeDocument/2006/relationships" xmlns:p="http://schemas.openxmlformats.org/presentationml/2006/main">
   <p:cSld>
     <p:spTree>
@@ -9557,6 +9823,99 @@
           <p:cNvPr id="2" name="Title 1">
             <a:extLst>
               <a:ext uri="{FF2B5EF4-FFF2-40B4-BE49-F238E27FC236}">
+                <a16:creationId xmlns:a16="http://schemas.microsoft.com/office/drawing/2014/main" id="{47D3579A-D1B6-24A6-C499-A8543F3E8953}"/>
+              </a:ext>
+            </a:extLst>
+          </p:cNvPr>
+          <p:cNvSpPr>
+            <a:spLocks noGrp="1"/>
+          </p:cNvSpPr>
+          <p:nvPr>
+            <p:ph type="title"/>
+          </p:nvPr>
+        </p:nvSpPr>
+        <p:spPr/>
+        <p:txBody>
+          <a:bodyPr/>
+          <a:lstStyle/>
+          <a:p>
+            <a:r>
+              <a:rPr lang="en-DK" dirty="0"/>
+              <a:t>Robots.txt is the first place that Hackers look</a:t>
+            </a:r>
+          </a:p>
+        </p:txBody>
+      </p:sp>
+      <p:pic>
+        <p:nvPicPr>
+          <p:cNvPr id="5" name="Content Placeholder 4" descr="A screenshot of a computer&#10;&#10;AI-generated content may be incorrect.">
+            <a:extLst>
+              <a:ext uri="{FF2B5EF4-FFF2-40B4-BE49-F238E27FC236}">
+                <a16:creationId xmlns:a16="http://schemas.microsoft.com/office/drawing/2014/main" id="{039333C8-672A-C883-7F96-607D2F775674}"/>
+              </a:ext>
+            </a:extLst>
+          </p:cNvPr>
+          <p:cNvPicPr>
+            <a:picLocks noGrp="1" noChangeAspect="1"/>
+          </p:cNvPicPr>
+          <p:nvPr>
+            <p:ph idx="1"/>
+          </p:nvPr>
+        </p:nvPicPr>
+        <p:blipFill>
+          <a:blip r:embed="rId2">
+            <a:extLst>
+              <a:ext uri="{28A0092B-C50C-407E-A947-70E740481C1C}">
+                <a14:useLocalDpi xmlns:a14="http://schemas.microsoft.com/office/drawing/2010/main" val="0"/>
+              </a:ext>
+            </a:extLst>
+          </a:blip>
+          <a:stretch>
+            <a:fillRect/>
+          </a:stretch>
+        </p:blipFill>
+        <p:spPr>
+          <a:xfrm>
+            <a:off x="2082849" y="1825625"/>
+            <a:ext cx="8026302" cy="4351338"/>
+          </a:xfrm>
+        </p:spPr>
+      </p:pic>
+    </p:spTree>
+    <p:extLst>
+      <p:ext uri="{BB962C8B-B14F-4D97-AF65-F5344CB8AC3E}">
+        <p14:creationId xmlns:p14="http://schemas.microsoft.com/office/powerpoint/2010/main" val="3294816245"/>
+      </p:ext>
+    </p:extLst>
+  </p:cSld>
+  <p:clrMapOvr>
+    <a:masterClrMapping/>
+  </p:clrMapOvr>
+</p:sld>
+</file>
+
+<file path=ppt/slides/slide9.xml><?xml version="1.0" encoding="utf-8"?>
+<p:sld xmlns:a="http://schemas.openxmlformats.org/drawingml/2006/main" xmlns:r="http://schemas.openxmlformats.org/officeDocument/2006/relationships" xmlns:p="http://schemas.openxmlformats.org/presentationml/2006/main">
+  <p:cSld>
+    <p:spTree>
+      <p:nvGrpSpPr>
+        <p:cNvPr id="1" name=""/>
+        <p:cNvGrpSpPr/>
+        <p:nvPr/>
+      </p:nvGrpSpPr>
+      <p:grpSpPr>
+        <a:xfrm>
+          <a:off x="0" y="0"/>
+          <a:ext cx="0" cy="0"/>
+          <a:chOff x="0" y="0"/>
+          <a:chExt cx="0" cy="0"/>
+        </a:xfrm>
+      </p:grpSpPr>
+      <p:sp>
+        <p:nvSpPr>
+          <p:cNvPr id="2" name="Title 1">
+            <a:extLst>
+              <a:ext uri="{FF2B5EF4-FFF2-40B4-BE49-F238E27FC236}">
                 <a16:creationId xmlns:a16="http://schemas.microsoft.com/office/drawing/2014/main" id="{41276312-8444-BA07-3513-EC44BDC42E89}"/>
               </a:ext>
             </a:extLst>
@@ -9634,271 +9993,6 @@
     <p:extLst>
       <p:ext uri="{BB962C8B-B14F-4D97-AF65-F5344CB8AC3E}">
         <p14:creationId xmlns:p14="http://schemas.microsoft.com/office/powerpoint/2010/main" val="84896128"/>
-      </p:ext>
-    </p:extLst>
-  </p:cSld>
-  <p:clrMapOvr>
-    <a:masterClrMapping/>
-  </p:clrMapOvr>
-</p:sld>
-</file>
-
-<file path=ppt/slides/slide9.xml><?xml version="1.0" encoding="utf-8"?>
-<p:sld xmlns:a="http://schemas.openxmlformats.org/drawingml/2006/main" xmlns:r="http://schemas.openxmlformats.org/officeDocument/2006/relationships" xmlns:p="http://schemas.openxmlformats.org/presentationml/2006/main">
-  <p:cSld>
-    <p:bg>
-      <p:bgPr>
-        <a:solidFill>
-          <a:schemeClr val="bg1"/>
-        </a:solidFill>
-        <a:effectLst/>
-      </p:bgPr>
-    </p:bg>
-    <p:spTree>
-      <p:nvGrpSpPr>
-        <p:cNvPr id="1" name=""/>
-        <p:cNvGrpSpPr/>
-        <p:nvPr/>
-      </p:nvGrpSpPr>
-      <p:grpSpPr>
-        <a:xfrm>
-          <a:off x="0" y="0"/>
-          <a:ext cx="0" cy="0"/>
-          <a:chOff x="0" y="0"/>
-          <a:chExt cx="0" cy="0"/>
-        </a:xfrm>
-      </p:grpSpPr>
-      <p:sp useBgFill="1">
-        <p:nvSpPr>
-          <p:cNvPr id="9" name="Slide Background">
-            <a:extLst>
-              <a:ext uri="{FF2B5EF4-FFF2-40B4-BE49-F238E27FC236}">
-                <a16:creationId xmlns:a16="http://schemas.microsoft.com/office/drawing/2014/main" id="{3ECBE1F1-D69B-4AFA-ABD5-8E41720EF6DE}"/>
-              </a:ext>
-              <a:ext uri="{C183D7F6-B498-43B3-948B-1728B52AA6E4}">
-                <adec:decorative xmlns:adec="http://schemas.microsoft.com/office/drawing/2017/decorative" val="1"/>
-              </a:ext>
-            </a:extLst>
-          </p:cNvPr>
-          <p:cNvSpPr>
-            <a:spLocks noGrp="1" noRot="1" noChangeAspect="1" noMove="1" noResize="1" noEditPoints="1" noAdjustHandles="1" noChangeArrowheads="1" noChangeShapeType="1" noTextEdit="1"/>
-          </p:cNvSpPr>
-          <p:nvPr>
-            <p:extLst>
-              <p:ext uri="{386F3935-93C4-4BCD-93E2-E3B085C9AB24}">
-                <p16:designElem xmlns:p16="http://schemas.microsoft.com/office/powerpoint/2015/main" val="1"/>
-              </p:ext>
-            </p:extLst>
-          </p:nvPr>
-        </p:nvSpPr>
-        <p:spPr>
-          <a:xfrm>
-            <a:off x="0" y="0"/>
-            <a:ext cx="12192000" cy="6858000"/>
-          </a:xfrm>
-          <a:prstGeom prst="rect">
-            <a:avLst/>
-          </a:prstGeom>
-          <a:ln>
-            <a:noFill/>
-          </a:ln>
-        </p:spPr>
-        <p:style>
-          <a:lnRef idx="2">
-            <a:schemeClr val="accent1">
-              <a:shade val="50000"/>
-            </a:schemeClr>
-          </a:lnRef>
-          <a:fillRef idx="1">
-            <a:schemeClr val="accent1"/>
-          </a:fillRef>
-          <a:effectRef idx="0">
-            <a:schemeClr val="accent1"/>
-          </a:effectRef>
-          <a:fontRef idx="minor">
-            <a:schemeClr val="lt1"/>
-          </a:fontRef>
-        </p:style>
-        <p:txBody>
-          <a:bodyPr rtlCol="0" anchor="ctr"/>
-          <a:lstStyle/>
-          <a:p>
-            <a:pPr algn="ctr"/>
-            <a:endParaRPr lang="en-US"/>
-          </a:p>
-        </p:txBody>
-      </p:sp>
-      <p:pic>
-        <p:nvPicPr>
-          <p:cNvPr id="5" name="Picture 4" descr="Exclamation mark on a yellow background">
-            <a:extLst>
-              <a:ext uri="{FF2B5EF4-FFF2-40B4-BE49-F238E27FC236}">
-                <a16:creationId xmlns:a16="http://schemas.microsoft.com/office/drawing/2014/main" id="{254730AA-2EDA-4289-80C1-11ED2844FE82}"/>
-              </a:ext>
-            </a:extLst>
-          </p:cNvPr>
-          <p:cNvPicPr>
-            <a:picLocks noChangeAspect="1"/>
-          </p:cNvPicPr>
-          <p:nvPr/>
-        </p:nvPicPr>
-        <p:blipFill rotWithShape="1">
-          <a:blip r:embed="rId2"/>
-          <a:srcRect l="26875" r="13958"/>
-          <a:stretch/>
-        </p:blipFill>
-        <p:spPr>
-          <a:xfrm>
-            <a:off x="-1" y="-2"/>
-            <a:ext cx="5410198" cy="6858002"/>
-          </a:xfrm>
-          <a:prstGeom prst="rect">
-            <a:avLst/>
-          </a:prstGeom>
-        </p:spPr>
-      </p:pic>
-      <p:sp useBgFill="1">
-        <p:nvSpPr>
-          <p:cNvPr id="11" name="Rectangle 10">
-            <a:extLst>
-              <a:ext uri="{FF2B5EF4-FFF2-40B4-BE49-F238E27FC236}">
-                <a16:creationId xmlns:a16="http://schemas.microsoft.com/office/drawing/2014/main" id="{603A6265-E10C-4B85-9C20-E75FCAF9CC63}"/>
-              </a:ext>
-              <a:ext uri="{C183D7F6-B498-43B3-948B-1728B52AA6E4}">
-                <adec:decorative xmlns:adec="http://schemas.microsoft.com/office/drawing/2017/decorative" val="1"/>
-              </a:ext>
-            </a:extLst>
-          </p:cNvPr>
-          <p:cNvSpPr>
-            <a:spLocks noGrp="1" noRot="1" noChangeAspect="1" noMove="1" noResize="1" noEditPoints="1" noAdjustHandles="1" noChangeArrowheads="1" noChangeShapeType="1" noTextEdit="1"/>
-          </p:cNvSpPr>
-          <p:nvPr>
-            <p:extLst>
-              <p:ext uri="{386F3935-93C4-4BCD-93E2-E3B085C9AB24}">
-                <p16:designElem xmlns:p16="http://schemas.microsoft.com/office/powerpoint/2015/main" val="1"/>
-              </p:ext>
-            </p:extLst>
-          </p:nvPr>
-        </p:nvSpPr>
-        <p:spPr>
-          <a:xfrm>
-            <a:off x="5410197" y="-1"/>
-            <a:ext cx="6781802" cy="2286000"/>
-          </a:xfrm>
-          <a:prstGeom prst="rect">
-            <a:avLst/>
-          </a:prstGeom>
-          <a:ln>
-            <a:noFill/>
-          </a:ln>
-          <a:effectLst>
-            <a:outerShdw blurRad="355600" dist="152400" sx="95000" sy="95000" algn="t" rotWithShape="0">
-              <a:srgbClr val="000000">
-                <a:alpha val="29000"/>
-              </a:srgbClr>
-            </a:outerShdw>
-          </a:effectLst>
-        </p:spPr>
-        <p:style>
-          <a:lnRef idx="2">
-            <a:schemeClr val="accent1">
-              <a:shade val="50000"/>
-            </a:schemeClr>
-          </a:lnRef>
-          <a:fillRef idx="1">
-            <a:schemeClr val="accent1"/>
-          </a:fillRef>
-          <a:effectRef idx="0">
-            <a:schemeClr val="accent1"/>
-          </a:effectRef>
-          <a:fontRef idx="minor">
-            <a:schemeClr val="lt1"/>
-          </a:fontRef>
-        </p:style>
-        <p:txBody>
-          <a:bodyPr rtlCol="0" anchor="ctr"/>
-          <a:lstStyle/>
-          <a:p>
-            <a:pPr algn="ctr"/>
-            <a:endParaRPr lang="en-US"/>
-          </a:p>
-        </p:txBody>
-      </p:sp>
-      <p:sp>
-        <p:nvSpPr>
-          <p:cNvPr id="2" name="Title 1">
-            <a:extLst>
-              <a:ext uri="{FF2B5EF4-FFF2-40B4-BE49-F238E27FC236}">
-                <a16:creationId xmlns:a16="http://schemas.microsoft.com/office/drawing/2014/main" id="{E68DF941-5078-A7F0-9A55-E0E40864C36F}"/>
-              </a:ext>
-            </a:extLst>
-          </p:cNvPr>
-          <p:cNvSpPr>
-            <a:spLocks noGrp="1"/>
-          </p:cNvSpPr>
-          <p:nvPr>
-            <p:ph type="title"/>
-          </p:nvPr>
-        </p:nvSpPr>
-        <p:spPr>
-          <a:xfrm>
-            <a:off x="6115317" y="405685"/>
-            <a:ext cx="5464968" cy="1559301"/>
-          </a:xfrm>
-        </p:spPr>
-        <p:txBody>
-          <a:bodyPr>
-            <a:normAutofit/>
-          </a:bodyPr>
-          <a:lstStyle/>
-          <a:p>
-            <a:r>
-              <a:rPr lang="en-GB" sz="4000" b="0" i="0" dirty="0">
-                <a:effectLst/>
-                <a:latin typeface="IBM Plex Sans" panose="020B0503050203000203" pitchFamily="34" charset="0"/>
-              </a:rPr>
-              <a:t>index your web pages</a:t>
-            </a:r>
-            <a:endParaRPr lang="en-DK" sz="4000" dirty="0"/>
-          </a:p>
-        </p:txBody>
-      </p:sp>
-      <p:sp>
-        <p:nvSpPr>
-          <p:cNvPr id="3" name="Content Placeholder 2">
-            <a:extLst>
-              <a:ext uri="{FF2B5EF4-FFF2-40B4-BE49-F238E27FC236}">
-                <a16:creationId xmlns:a16="http://schemas.microsoft.com/office/drawing/2014/main" id="{780F27C9-DA3B-4C36-34BC-7916921F17BB}"/>
-              </a:ext>
-            </a:extLst>
-          </p:cNvPr>
-          <p:cNvSpPr>
-            <a:spLocks noGrp="1"/>
-          </p:cNvSpPr>
-          <p:nvPr>
-            <p:ph idx="1"/>
-          </p:nvPr>
-        </p:nvSpPr>
-        <p:spPr>
-          <a:xfrm>
-            <a:off x="6115317" y="2743200"/>
-            <a:ext cx="5247340" cy="3496878"/>
-          </a:xfrm>
-        </p:spPr>
-        <p:txBody>
-          <a:bodyPr anchor="ctr">
-            <a:normAutofit/>
-          </a:bodyPr>
-          <a:lstStyle/>
-          <a:p>
-            <a:endParaRPr lang="en-DK" sz="2000"/>
-          </a:p>
-        </p:txBody>
-      </p:sp>
-    </p:spTree>
-    <p:extLst>
-      <p:ext uri="{BB962C8B-B14F-4D97-AF65-F5344CB8AC3E}">
-        <p14:creationId xmlns:p14="http://schemas.microsoft.com/office/powerpoint/2010/main" val="1556088221"/>
       </p:ext>
     </p:extLst>
   </p:cSld>
@@ -10476,15 +10570,6 @@
 </file>
 
 <file path=customXml/item2.xml><?xml version="1.0" encoding="utf-8"?>
-<?mso-contentType ?>
-<FormTemplates xmlns="http://schemas.microsoft.com/sharepoint/v3/contenttype/forms">
-  <Display>DocumentLibraryForm</Display>
-  <Edit>DocumentLibraryForm</Edit>
-  <New>DocumentLibraryForm</New>
-</FormTemplates>
-</file>
-
-<file path=customXml/item3.xml><?xml version="1.0" encoding="utf-8"?>
 <ct:contentTypeSchema xmlns:ct="http://schemas.microsoft.com/office/2006/metadata/contentType" xmlns:ma="http://schemas.microsoft.com/office/2006/metadata/properties/metaAttributes" ct:_="" ma:_="" ma:contentTypeName="Document" ma:contentTypeID="0x010100C7DB9406436736408CD9311F4BED34AF" ma:contentTypeVersion="13" ma:contentTypeDescription="Create a new document." ma:contentTypeScope="" ma:versionID="a539baffccee17980d1b87dd939347b3">
   <xsd:schema xmlns:xsd="http://www.w3.org/2001/XMLSchema" xmlns:xs="http://www.w3.org/2001/XMLSchema" xmlns:p="http://schemas.microsoft.com/office/2006/metadata/properties" xmlns:ns2="4c941f20-14ce-4665-b291-94eb918ebf61" xmlns:ns3="462ed1df-cb75-4587-b36b-8b9f72fea3cc" targetNamespace="http://schemas.microsoft.com/office/2006/metadata/properties" ma:root="true" ma:fieldsID="57014566b0fabd3bb0fb15d81276da70" ns2:_="" ns3:_="">
     <xsd:import namespace="4c941f20-14ce-4665-b291-94eb918ebf61"/>
@@ -10707,6 +10792,15 @@
 </ct:contentTypeSchema>
 </file>
 
+<file path=customXml/item3.xml><?xml version="1.0" encoding="utf-8"?>
+<?mso-contentType ?>
+<FormTemplates xmlns="http://schemas.microsoft.com/sharepoint/v3/contenttype/forms">
+  <Display>DocumentLibraryForm</Display>
+  <Edit>DocumentLibraryForm</Edit>
+  <New>DocumentLibraryForm</New>
+</FormTemplates>
+</file>
+
 <file path=customXml/itemProps1.xml><?xml version="1.0" encoding="utf-8"?>
 <ds:datastoreItem xmlns:ds="http://schemas.openxmlformats.org/officeDocument/2006/customXml" ds:itemID="{D3E7357E-33F1-47CF-A16A-08B5507080CC}">
   <ds:schemaRefs>
@@ -10725,14 +10819,6 @@
 </file>
 
 <file path=customXml/itemProps2.xml><?xml version="1.0" encoding="utf-8"?>
-<ds:datastoreItem xmlns:ds="http://schemas.openxmlformats.org/officeDocument/2006/customXml" ds:itemID="{C882AB70-F91A-4BA9-961B-09BC8767B0A2}">
-  <ds:schemaRefs>
-    <ds:schemaRef ds:uri="http://schemas.microsoft.com/sharepoint/v3/contenttype/forms"/>
-  </ds:schemaRefs>
-</ds:datastoreItem>
-</file>
-
-<file path=customXml/itemProps3.xml><?xml version="1.0" encoding="utf-8"?>
 <ds:datastoreItem xmlns:ds="http://schemas.openxmlformats.org/officeDocument/2006/customXml" ds:itemID="{15C6652F-714D-4603-9F5F-F75F3E0A3D35}">
   <ds:schemaRefs>
     <ds:schemaRef ds:uri="http://schemas.microsoft.com/office/2006/metadata/contentType"/>
@@ -10749,4 +10835,12 @@
     <ds:schemaRef ds:uri="http://schemas.microsoft.com/internal/obd"/>
   </ds:schemaRefs>
 </ds:datastoreItem>
+</file>
+
+<file path=customXml/itemProps3.xml><?xml version="1.0" encoding="utf-8"?>
+<ds:datastoreItem xmlns:ds="http://schemas.openxmlformats.org/officeDocument/2006/customXml" ds:itemID="{C882AB70-F91A-4BA9-961B-09BC8767B0A2}">
+  <ds:schemaRefs>
+    <ds:schemaRef ds:uri="http://schemas.microsoft.com/sharepoint/v3/contenttype/forms"/>
+  </ds:schemaRefs>
+</ds:datastoreItem>
 </file>